--- a/study-note/데이터베이스/2022.07.20- 하루 10분 SQL-6강 데이터 처리와 가공을 위한 오라클 함수.pptx
+++ b/study-note/데이터베이스/2022.07.20- 하루 10분 SQL-6강 데이터 처리와 가공을 위한 오라클 함수.pptx
@@ -7,6 +7,8 @@
   <p:sldIdLst>
     <p:sldId id="256" r:id="rId2"/>
     <p:sldId id="257" r:id="rId3"/>
+    <p:sldId id="258" r:id="rId4"/>
+    <p:sldId id="259" r:id="rId5"/>
   </p:sldIdLst>
   <p:sldSz cx="12192000" cy="6858000"/>
   <p:notesSz cx="6858000" cy="9144000"/>
@@ -3803,6 +3805,1414 @@
 </p:sld>
 </file>
 
+<file path=ppt/slides/slide3.xml><?xml version="1.0" encoding="utf-8"?>
+<p:sld xmlns:a="http://schemas.openxmlformats.org/drawingml/2006/main" xmlns:r="http://schemas.openxmlformats.org/officeDocument/2006/relationships" xmlns:p="http://schemas.openxmlformats.org/presentationml/2006/main">
+  <p:cSld>
+    <p:spTree>
+      <p:nvGrpSpPr>
+        <p:cNvPr id="1" name=""/>
+        <p:cNvGrpSpPr/>
+        <p:nvPr/>
+      </p:nvGrpSpPr>
+      <p:grpSpPr>
+        <a:xfrm>
+          <a:off x="0" y="0"/>
+          <a:ext cx="0" cy="0"/>
+          <a:chOff x="0" y="0"/>
+          <a:chExt cx="0" cy="0"/>
+        </a:xfrm>
+      </p:grpSpPr>
+      <p:sp>
+        <p:nvSpPr>
+          <p:cNvPr id="2" name="제목 1">
+            <a:extLst>
+              <a:ext uri="{FF2B5EF4-FFF2-40B4-BE49-F238E27FC236}">
+                <a16:creationId xmlns:a16="http://schemas.microsoft.com/office/drawing/2014/main" id="{FBE5CA32-62BF-010A-8BCC-380375F08180}"/>
+              </a:ext>
+            </a:extLst>
+          </p:cNvPr>
+          <p:cNvSpPr>
+            <a:spLocks noGrp="1"/>
+          </p:cNvSpPr>
+          <p:nvPr>
+            <p:ph type="ctrTitle"/>
+          </p:nvPr>
+        </p:nvSpPr>
+        <p:spPr/>
+        <p:txBody>
+          <a:bodyPr>
+            <a:normAutofit fontScale="90000"/>
+          </a:bodyPr>
+          <a:lstStyle/>
+          <a:p>
+            <a:r>
+              <a:rPr lang="en-US" altLang="ko-KR" dirty="0"/>
+              <a:t>2022.07.20- </a:t>
+            </a:r>
+            <a:r>
+              <a:rPr lang="ko-KR" altLang="en-US" dirty="0"/>
+              <a:t>하루 </a:t>
+            </a:r>
+            <a:r>
+              <a:rPr lang="en-US" altLang="ko-KR" dirty="0"/>
+              <a:t>10</a:t>
+            </a:r>
+            <a:r>
+              <a:rPr lang="ko-KR" altLang="en-US" dirty="0"/>
+              <a:t>분 </a:t>
+            </a:r>
+            <a:r>
+              <a:rPr lang="en-US" altLang="ko-KR" dirty="0"/>
+              <a:t>SQL-7</a:t>
+            </a:r>
+            <a:r>
+              <a:rPr lang="ko-KR" altLang="en-US" dirty="0"/>
+              <a:t>강 </a:t>
+            </a:r>
+            <a:r>
+              <a:rPr lang="ko-KR" altLang="en-US" dirty="0" err="1"/>
+              <a:t>다중행</a:t>
+            </a:r>
+            <a:r>
+              <a:rPr lang="ko-KR" altLang="en-US" dirty="0"/>
+              <a:t> 함수와 데이터 그룹화</a:t>
+            </a:r>
+          </a:p>
+        </p:txBody>
+      </p:sp>
+      <p:sp>
+        <p:nvSpPr>
+          <p:cNvPr id="3" name="부제목 2">
+            <a:extLst>
+              <a:ext uri="{FF2B5EF4-FFF2-40B4-BE49-F238E27FC236}">
+                <a16:creationId xmlns:a16="http://schemas.microsoft.com/office/drawing/2014/main" id="{64B0D8B7-19D8-FFED-FFD4-19A9FDCB08E7}"/>
+              </a:ext>
+            </a:extLst>
+          </p:cNvPr>
+          <p:cNvSpPr>
+            <a:spLocks noGrp="1"/>
+          </p:cNvSpPr>
+          <p:nvPr>
+            <p:ph type="subTitle" idx="1"/>
+          </p:nvPr>
+        </p:nvSpPr>
+        <p:spPr/>
+        <p:txBody>
+          <a:bodyPr/>
+          <a:lstStyle/>
+          <a:p>
+            <a:endParaRPr lang="ko-KR" altLang="en-US"/>
+          </a:p>
+        </p:txBody>
+      </p:sp>
+    </p:spTree>
+    <p:extLst>
+      <p:ext uri="{BB962C8B-B14F-4D97-AF65-F5344CB8AC3E}">
+        <p14:creationId xmlns:p14="http://schemas.microsoft.com/office/powerpoint/2010/main" val="1477625471"/>
+      </p:ext>
+    </p:extLst>
+  </p:cSld>
+  <p:clrMapOvr>
+    <a:masterClrMapping/>
+  </p:clrMapOvr>
+</p:sld>
+</file>
+
+<file path=ppt/slides/slide4.xml><?xml version="1.0" encoding="utf-8"?>
+<p:sld xmlns:a="http://schemas.openxmlformats.org/drawingml/2006/main" xmlns:r="http://schemas.openxmlformats.org/officeDocument/2006/relationships" xmlns:p="http://schemas.openxmlformats.org/presentationml/2006/main">
+  <p:cSld>
+    <p:spTree>
+      <p:nvGrpSpPr>
+        <p:cNvPr id="1" name=""/>
+        <p:cNvGrpSpPr/>
+        <p:nvPr/>
+      </p:nvGrpSpPr>
+      <p:grpSpPr>
+        <a:xfrm>
+          <a:off x="0" y="0"/>
+          <a:ext cx="0" cy="0"/>
+          <a:chOff x="0" y="0"/>
+          <a:chExt cx="0" cy="0"/>
+        </a:xfrm>
+      </p:grpSpPr>
+      <p:sp>
+        <p:nvSpPr>
+          <p:cNvPr id="38" name="직사각형 37">
+            <a:extLst>
+              <a:ext uri="{FF2B5EF4-FFF2-40B4-BE49-F238E27FC236}">
+                <a16:creationId xmlns:a16="http://schemas.microsoft.com/office/drawing/2014/main" id="{AF36C957-2128-6EF5-64A4-BECE0474C59C}"/>
+              </a:ext>
+            </a:extLst>
+          </p:cNvPr>
+          <p:cNvSpPr/>
+          <p:nvPr/>
+        </p:nvSpPr>
+        <p:spPr>
+          <a:xfrm>
+            <a:off x="386442" y="2803071"/>
+            <a:ext cx="2656115" cy="1469571"/>
+          </a:xfrm>
+          <a:prstGeom prst="rect">
+            <a:avLst/>
+          </a:prstGeom>
+        </p:spPr>
+        <p:style>
+          <a:lnRef idx="2">
+            <a:schemeClr val="accent1">
+              <a:shade val="50000"/>
+            </a:schemeClr>
+          </a:lnRef>
+          <a:fillRef idx="1">
+            <a:schemeClr val="accent1"/>
+          </a:fillRef>
+          <a:effectRef idx="0">
+            <a:schemeClr val="accent1"/>
+          </a:effectRef>
+          <a:fontRef idx="minor">
+            <a:schemeClr val="lt1"/>
+          </a:fontRef>
+        </p:style>
+        <p:txBody>
+          <a:bodyPr rtlCol="0" anchor="ctr"/>
+          <a:lstStyle/>
+          <a:p>
+            <a:pPr algn="ctr"/>
+            <a:r>
+              <a:rPr lang="en-US" altLang="ko-KR" dirty="0"/>
+              <a:t>EMP</a:t>
+            </a:r>
+            <a:endParaRPr lang="ko-KR" altLang="en-US" dirty="0"/>
+          </a:p>
+        </p:txBody>
+      </p:sp>
+      <p:sp>
+        <p:nvSpPr>
+          <p:cNvPr id="39" name="직사각형 38">
+            <a:extLst>
+              <a:ext uri="{FF2B5EF4-FFF2-40B4-BE49-F238E27FC236}">
+                <a16:creationId xmlns:a16="http://schemas.microsoft.com/office/drawing/2014/main" id="{3DE7B873-1F4D-311F-8EA2-44DF05A3C82B}"/>
+              </a:ext>
+            </a:extLst>
+          </p:cNvPr>
+          <p:cNvSpPr/>
+          <p:nvPr/>
+        </p:nvSpPr>
+        <p:spPr>
+          <a:xfrm>
+            <a:off x="4680856" y="990600"/>
+            <a:ext cx="2656115" cy="729342"/>
+          </a:xfrm>
+          <a:prstGeom prst="rect">
+            <a:avLst/>
+          </a:prstGeom>
+        </p:spPr>
+        <p:style>
+          <a:lnRef idx="2">
+            <a:schemeClr val="accent5">
+              <a:shade val="50000"/>
+            </a:schemeClr>
+          </a:lnRef>
+          <a:fillRef idx="1">
+            <a:schemeClr val="accent5"/>
+          </a:fillRef>
+          <a:effectRef idx="0">
+            <a:schemeClr val="accent5"/>
+          </a:effectRef>
+          <a:fontRef idx="minor">
+            <a:schemeClr val="lt1"/>
+          </a:fontRef>
+        </p:style>
+        <p:txBody>
+          <a:bodyPr rtlCol="0" anchor="ctr"/>
+          <a:lstStyle/>
+          <a:p>
+            <a:pPr algn="ctr"/>
+            <a:r>
+              <a:rPr lang="en-US" altLang="ko-KR" dirty="0"/>
+              <a:t>DEPTNO</a:t>
+            </a:r>
+            <a:endParaRPr lang="ko-KR" altLang="en-US" dirty="0"/>
+          </a:p>
+        </p:txBody>
+      </p:sp>
+      <p:sp>
+        <p:nvSpPr>
+          <p:cNvPr id="40" name="직사각형 39">
+            <a:extLst>
+              <a:ext uri="{FF2B5EF4-FFF2-40B4-BE49-F238E27FC236}">
+                <a16:creationId xmlns:a16="http://schemas.microsoft.com/office/drawing/2014/main" id="{C167EFC1-C639-0A1D-6D0F-74EDAB3D8B73}"/>
+              </a:ext>
+            </a:extLst>
+          </p:cNvPr>
+          <p:cNvSpPr/>
+          <p:nvPr/>
+        </p:nvSpPr>
+        <p:spPr>
+          <a:xfrm>
+            <a:off x="9699171" y="241820"/>
+            <a:ext cx="1491343" cy="533399"/>
+          </a:xfrm>
+          <a:prstGeom prst="rect">
+            <a:avLst/>
+          </a:prstGeom>
+        </p:spPr>
+        <p:style>
+          <a:lnRef idx="2">
+            <a:schemeClr val="accent6">
+              <a:shade val="50000"/>
+            </a:schemeClr>
+          </a:lnRef>
+          <a:fillRef idx="1">
+            <a:schemeClr val="accent6"/>
+          </a:fillRef>
+          <a:effectRef idx="0">
+            <a:schemeClr val="accent6"/>
+          </a:effectRef>
+          <a:fontRef idx="minor">
+            <a:schemeClr val="lt1"/>
+          </a:fontRef>
+        </p:style>
+        <p:txBody>
+          <a:bodyPr rtlCol="0" anchor="ctr"/>
+          <a:lstStyle/>
+          <a:p>
+            <a:pPr algn="ctr"/>
+            <a:r>
+              <a:rPr lang="en-US" altLang="ko-KR" dirty="0"/>
+              <a:t>JOB</a:t>
+            </a:r>
+            <a:endParaRPr lang="ko-KR" altLang="en-US" dirty="0"/>
+          </a:p>
+        </p:txBody>
+      </p:sp>
+      <p:sp>
+        <p:nvSpPr>
+          <p:cNvPr id="2" name="TextBox 1">
+            <a:extLst>
+              <a:ext uri="{FF2B5EF4-FFF2-40B4-BE49-F238E27FC236}">
+                <a16:creationId xmlns:a16="http://schemas.microsoft.com/office/drawing/2014/main" id="{639E6B26-0257-7E35-7301-EE229F1844E7}"/>
+              </a:ext>
+            </a:extLst>
+          </p:cNvPr>
+          <p:cNvSpPr txBox="1"/>
+          <p:nvPr/>
+        </p:nvSpPr>
+        <p:spPr>
+          <a:xfrm>
+            <a:off x="5524500" y="2025134"/>
+            <a:ext cx="1143000" cy="461665"/>
+          </a:xfrm>
+          <a:prstGeom prst="rect">
+            <a:avLst/>
+          </a:prstGeom>
+        </p:spPr>
+        <p:style>
+          <a:lnRef idx="2">
+            <a:schemeClr val="accent5"/>
+          </a:lnRef>
+          <a:fillRef idx="1">
+            <a:schemeClr val="lt1"/>
+          </a:fillRef>
+          <a:effectRef idx="0">
+            <a:schemeClr val="accent5"/>
+          </a:effectRef>
+          <a:fontRef idx="minor">
+            <a:schemeClr val="dk1"/>
+          </a:fontRef>
+        </p:style>
+        <p:txBody>
+          <a:bodyPr wrap="square" rtlCol="0">
+            <a:spAutoFit/>
+          </a:bodyPr>
+          <a:lstStyle/>
+          <a:p>
+            <a:pPr algn="ctr"/>
+            <a:r>
+              <a:rPr lang="en-US" altLang="ko-KR" sz="2400" dirty="0"/>
+              <a:t>10</a:t>
+            </a:r>
+            <a:endParaRPr lang="ko-KR" altLang="en-US" sz="2400" dirty="0"/>
+          </a:p>
+        </p:txBody>
+      </p:sp>
+      <p:sp>
+        <p:nvSpPr>
+          <p:cNvPr id="10" name="TextBox 9">
+            <a:extLst>
+              <a:ext uri="{FF2B5EF4-FFF2-40B4-BE49-F238E27FC236}">
+                <a16:creationId xmlns:a16="http://schemas.microsoft.com/office/drawing/2014/main" id="{6DFC55CA-89BA-723F-6B64-5BF3CA402FC9}"/>
+              </a:ext>
+            </a:extLst>
+          </p:cNvPr>
+          <p:cNvSpPr txBox="1"/>
+          <p:nvPr/>
+        </p:nvSpPr>
+        <p:spPr>
+          <a:xfrm>
+            <a:off x="5524500" y="3198167"/>
+            <a:ext cx="1143000" cy="461665"/>
+          </a:xfrm>
+          <a:prstGeom prst="rect">
+            <a:avLst/>
+          </a:prstGeom>
+        </p:spPr>
+        <p:style>
+          <a:lnRef idx="2">
+            <a:schemeClr val="accent5"/>
+          </a:lnRef>
+          <a:fillRef idx="1">
+            <a:schemeClr val="lt1"/>
+          </a:fillRef>
+          <a:effectRef idx="0">
+            <a:schemeClr val="accent5"/>
+          </a:effectRef>
+          <a:fontRef idx="minor">
+            <a:schemeClr val="dk1"/>
+          </a:fontRef>
+        </p:style>
+        <p:txBody>
+          <a:bodyPr wrap="square" rtlCol="0">
+            <a:spAutoFit/>
+          </a:bodyPr>
+          <a:lstStyle/>
+          <a:p>
+            <a:pPr algn="ctr"/>
+            <a:r>
+              <a:rPr lang="en-US" altLang="ko-KR" sz="2400" dirty="0"/>
+              <a:t>20</a:t>
+            </a:r>
+            <a:endParaRPr lang="ko-KR" altLang="en-US" sz="2400" dirty="0"/>
+          </a:p>
+        </p:txBody>
+      </p:sp>
+      <p:sp>
+        <p:nvSpPr>
+          <p:cNvPr id="11" name="TextBox 10">
+            <a:extLst>
+              <a:ext uri="{FF2B5EF4-FFF2-40B4-BE49-F238E27FC236}">
+                <a16:creationId xmlns:a16="http://schemas.microsoft.com/office/drawing/2014/main" id="{092AF82E-8148-C292-F2DA-D992EC8189FD}"/>
+              </a:ext>
+            </a:extLst>
+          </p:cNvPr>
+          <p:cNvSpPr txBox="1"/>
+          <p:nvPr/>
+        </p:nvSpPr>
+        <p:spPr>
+          <a:xfrm>
+            <a:off x="5524500" y="4371200"/>
+            <a:ext cx="1143000" cy="461665"/>
+          </a:xfrm>
+          <a:prstGeom prst="rect">
+            <a:avLst/>
+          </a:prstGeom>
+        </p:spPr>
+        <p:style>
+          <a:lnRef idx="2">
+            <a:schemeClr val="accent5"/>
+          </a:lnRef>
+          <a:fillRef idx="1">
+            <a:schemeClr val="lt1"/>
+          </a:fillRef>
+          <a:effectRef idx="0">
+            <a:schemeClr val="accent5"/>
+          </a:effectRef>
+          <a:fontRef idx="minor">
+            <a:schemeClr val="dk1"/>
+          </a:fontRef>
+        </p:style>
+        <p:txBody>
+          <a:bodyPr wrap="square" rtlCol="0">
+            <a:spAutoFit/>
+          </a:bodyPr>
+          <a:lstStyle/>
+          <a:p>
+            <a:pPr algn="ctr"/>
+            <a:r>
+              <a:rPr lang="en-US" altLang="ko-KR" sz="2400" dirty="0"/>
+              <a:t>30</a:t>
+            </a:r>
+            <a:endParaRPr lang="ko-KR" altLang="en-US" sz="2400" dirty="0"/>
+          </a:p>
+        </p:txBody>
+      </p:sp>
+      <p:cxnSp>
+        <p:nvCxnSpPr>
+          <p:cNvPr id="4" name="직선 화살표 연결선 3">
+            <a:extLst>
+              <a:ext uri="{FF2B5EF4-FFF2-40B4-BE49-F238E27FC236}">
+                <a16:creationId xmlns:a16="http://schemas.microsoft.com/office/drawing/2014/main" id="{48A7ECBE-4513-B1B2-DBCF-83251FEA806F}"/>
+              </a:ext>
+            </a:extLst>
+          </p:cNvPr>
+          <p:cNvCxnSpPr>
+            <a:stCxn id="38" idx="3"/>
+            <a:endCxn id="2" idx="1"/>
+          </p:cNvCxnSpPr>
+          <p:nvPr/>
+        </p:nvCxnSpPr>
+        <p:spPr>
+          <a:xfrm flipV="1">
+            <a:off x="3042557" y="2255967"/>
+            <a:ext cx="2481943" cy="1281890"/>
+          </a:xfrm>
+          <a:prstGeom prst="straightConnector1">
+            <a:avLst/>
+          </a:prstGeom>
+          <a:ln>
+            <a:tailEnd type="triangle"/>
+          </a:ln>
+        </p:spPr>
+        <p:style>
+          <a:lnRef idx="3">
+            <a:schemeClr val="dk1"/>
+          </a:lnRef>
+          <a:fillRef idx="0">
+            <a:schemeClr val="dk1"/>
+          </a:fillRef>
+          <a:effectRef idx="2">
+            <a:schemeClr val="dk1"/>
+          </a:effectRef>
+          <a:fontRef idx="minor">
+            <a:schemeClr val="tx1"/>
+          </a:fontRef>
+        </p:style>
+      </p:cxnSp>
+      <p:cxnSp>
+        <p:nvCxnSpPr>
+          <p:cNvPr id="14" name="직선 화살표 연결선 13">
+            <a:extLst>
+              <a:ext uri="{FF2B5EF4-FFF2-40B4-BE49-F238E27FC236}">
+                <a16:creationId xmlns:a16="http://schemas.microsoft.com/office/drawing/2014/main" id="{0B9F5EBF-A81F-3EC0-ED7A-2D592329BB48}"/>
+              </a:ext>
+            </a:extLst>
+          </p:cNvPr>
+          <p:cNvCxnSpPr>
+            <a:cxnSpLocks/>
+            <a:stCxn id="38" idx="3"/>
+            <a:endCxn id="10" idx="1"/>
+          </p:cNvCxnSpPr>
+          <p:nvPr/>
+        </p:nvCxnSpPr>
+        <p:spPr>
+          <a:xfrm flipV="1">
+            <a:off x="3042557" y="3429000"/>
+            <a:ext cx="2481943" cy="108857"/>
+          </a:xfrm>
+          <a:prstGeom prst="straightConnector1">
+            <a:avLst/>
+          </a:prstGeom>
+          <a:ln>
+            <a:tailEnd type="triangle"/>
+          </a:ln>
+        </p:spPr>
+        <p:style>
+          <a:lnRef idx="3">
+            <a:schemeClr val="dk1"/>
+          </a:lnRef>
+          <a:fillRef idx="0">
+            <a:schemeClr val="dk1"/>
+          </a:fillRef>
+          <a:effectRef idx="2">
+            <a:schemeClr val="dk1"/>
+          </a:effectRef>
+          <a:fontRef idx="minor">
+            <a:schemeClr val="tx1"/>
+          </a:fontRef>
+        </p:style>
+      </p:cxnSp>
+      <p:cxnSp>
+        <p:nvCxnSpPr>
+          <p:cNvPr id="17" name="직선 화살표 연결선 16">
+            <a:extLst>
+              <a:ext uri="{FF2B5EF4-FFF2-40B4-BE49-F238E27FC236}">
+                <a16:creationId xmlns:a16="http://schemas.microsoft.com/office/drawing/2014/main" id="{87705F06-F047-A1B0-7323-1234B7BB747E}"/>
+              </a:ext>
+            </a:extLst>
+          </p:cNvPr>
+          <p:cNvCxnSpPr>
+            <a:cxnSpLocks/>
+            <a:stCxn id="38" idx="3"/>
+            <a:endCxn id="11" idx="1"/>
+          </p:cNvCxnSpPr>
+          <p:nvPr/>
+        </p:nvCxnSpPr>
+        <p:spPr>
+          <a:xfrm>
+            <a:off x="3042557" y="3537857"/>
+            <a:ext cx="2481943" cy="1064176"/>
+          </a:xfrm>
+          <a:prstGeom prst="straightConnector1">
+            <a:avLst/>
+          </a:prstGeom>
+          <a:ln>
+            <a:tailEnd type="triangle"/>
+          </a:ln>
+        </p:spPr>
+        <p:style>
+          <a:lnRef idx="3">
+            <a:schemeClr val="dk1"/>
+          </a:lnRef>
+          <a:fillRef idx="0">
+            <a:schemeClr val="dk1"/>
+          </a:fillRef>
+          <a:effectRef idx="2">
+            <a:schemeClr val="dk1"/>
+          </a:effectRef>
+          <a:fontRef idx="minor">
+            <a:schemeClr val="tx1"/>
+          </a:fontRef>
+        </p:style>
+      </p:cxnSp>
+      <p:sp>
+        <p:nvSpPr>
+          <p:cNvPr id="20" name="TextBox 19">
+            <a:extLst>
+              <a:ext uri="{FF2B5EF4-FFF2-40B4-BE49-F238E27FC236}">
+                <a16:creationId xmlns:a16="http://schemas.microsoft.com/office/drawing/2014/main" id="{95CB6550-8BD0-2C60-316C-67BE68265F95}"/>
+              </a:ext>
+            </a:extLst>
+          </p:cNvPr>
+          <p:cNvSpPr txBox="1"/>
+          <p:nvPr/>
+        </p:nvSpPr>
+        <p:spPr>
+          <a:xfrm>
+            <a:off x="9699171" y="1115694"/>
+            <a:ext cx="1143000" cy="307777"/>
+          </a:xfrm>
+          <a:prstGeom prst="rect">
+            <a:avLst/>
+          </a:prstGeom>
+        </p:spPr>
+        <p:style>
+          <a:lnRef idx="2">
+            <a:schemeClr val="accent6"/>
+          </a:lnRef>
+          <a:fillRef idx="1">
+            <a:schemeClr val="lt1"/>
+          </a:fillRef>
+          <a:effectRef idx="0">
+            <a:schemeClr val="accent6"/>
+          </a:effectRef>
+          <a:fontRef idx="minor">
+            <a:schemeClr val="dk1"/>
+          </a:fontRef>
+        </p:style>
+        <p:txBody>
+          <a:bodyPr wrap="square" rtlCol="0">
+            <a:spAutoFit/>
+          </a:bodyPr>
+          <a:lstStyle/>
+          <a:p>
+            <a:pPr algn="ctr"/>
+            <a:r>
+              <a:rPr lang="en-US" altLang="ko-KR" sz="1400" dirty="0"/>
+              <a:t>CLERK</a:t>
+            </a:r>
+            <a:endParaRPr lang="ko-KR" altLang="en-US" sz="1400" dirty="0"/>
+          </a:p>
+        </p:txBody>
+      </p:sp>
+      <p:sp>
+        <p:nvSpPr>
+          <p:cNvPr id="21" name="TextBox 20">
+            <a:extLst>
+              <a:ext uri="{FF2B5EF4-FFF2-40B4-BE49-F238E27FC236}">
+                <a16:creationId xmlns:a16="http://schemas.microsoft.com/office/drawing/2014/main" id="{F11B190A-1A10-ED27-03E0-841A453DE62E}"/>
+              </a:ext>
+            </a:extLst>
+          </p:cNvPr>
+          <p:cNvSpPr txBox="1"/>
+          <p:nvPr/>
+        </p:nvSpPr>
+        <p:spPr>
+          <a:xfrm>
+            <a:off x="9699171" y="1588666"/>
+            <a:ext cx="2133600" cy="307777"/>
+          </a:xfrm>
+          <a:prstGeom prst="rect">
+            <a:avLst/>
+          </a:prstGeom>
+        </p:spPr>
+        <p:style>
+          <a:lnRef idx="2">
+            <a:schemeClr val="accent6"/>
+          </a:lnRef>
+          <a:fillRef idx="1">
+            <a:schemeClr val="lt1"/>
+          </a:fillRef>
+          <a:effectRef idx="0">
+            <a:schemeClr val="accent6"/>
+          </a:effectRef>
+          <a:fontRef idx="minor">
+            <a:schemeClr val="dk1"/>
+          </a:fontRef>
+        </p:style>
+        <p:txBody>
+          <a:bodyPr wrap="square" rtlCol="0">
+            <a:spAutoFit/>
+          </a:bodyPr>
+          <a:lstStyle/>
+          <a:p>
+            <a:pPr algn="ctr"/>
+            <a:r>
+              <a:rPr lang="en-US" altLang="ko-KR" sz="1400" dirty="0"/>
+              <a:t>MANAGER</a:t>
+            </a:r>
+            <a:endParaRPr lang="ko-KR" altLang="en-US" sz="1400" dirty="0"/>
+          </a:p>
+        </p:txBody>
+      </p:sp>
+      <p:sp>
+        <p:nvSpPr>
+          <p:cNvPr id="22" name="TextBox 21">
+            <a:extLst>
+              <a:ext uri="{FF2B5EF4-FFF2-40B4-BE49-F238E27FC236}">
+                <a16:creationId xmlns:a16="http://schemas.microsoft.com/office/drawing/2014/main" id="{FB6EF1FA-0A10-3498-0D90-8C6D9A7D682B}"/>
+              </a:ext>
+            </a:extLst>
+          </p:cNvPr>
+          <p:cNvSpPr txBox="1"/>
+          <p:nvPr/>
+        </p:nvSpPr>
+        <p:spPr>
+          <a:xfrm>
+            <a:off x="9699171" y="2050332"/>
+            <a:ext cx="2133599" cy="307777"/>
+          </a:xfrm>
+          <a:prstGeom prst="rect">
+            <a:avLst/>
+          </a:prstGeom>
+        </p:spPr>
+        <p:style>
+          <a:lnRef idx="2">
+            <a:schemeClr val="accent6"/>
+          </a:lnRef>
+          <a:fillRef idx="1">
+            <a:schemeClr val="lt1"/>
+          </a:fillRef>
+          <a:effectRef idx="0">
+            <a:schemeClr val="accent6"/>
+          </a:effectRef>
+          <a:fontRef idx="minor">
+            <a:schemeClr val="dk1"/>
+          </a:fontRef>
+        </p:style>
+        <p:txBody>
+          <a:bodyPr wrap="square" rtlCol="0">
+            <a:spAutoFit/>
+          </a:bodyPr>
+          <a:lstStyle/>
+          <a:p>
+            <a:pPr algn="ctr"/>
+            <a:r>
+              <a:rPr lang="en-US" altLang="ko-KR" sz="1400" dirty="0"/>
+              <a:t>PRESIDENT</a:t>
+            </a:r>
+            <a:endParaRPr lang="ko-KR" altLang="en-US" sz="1400" dirty="0"/>
+          </a:p>
+        </p:txBody>
+      </p:sp>
+      <p:cxnSp>
+        <p:nvCxnSpPr>
+          <p:cNvPr id="23" name="직선 화살표 연결선 22">
+            <a:extLst>
+              <a:ext uri="{FF2B5EF4-FFF2-40B4-BE49-F238E27FC236}">
+                <a16:creationId xmlns:a16="http://schemas.microsoft.com/office/drawing/2014/main" id="{E8FD536A-305E-0282-B4F0-AA43EB8CF4A2}"/>
+              </a:ext>
+            </a:extLst>
+          </p:cNvPr>
+          <p:cNvCxnSpPr>
+            <a:cxnSpLocks/>
+            <a:stCxn id="2" idx="3"/>
+            <a:endCxn id="20" idx="1"/>
+          </p:cNvCxnSpPr>
+          <p:nvPr/>
+        </p:nvCxnSpPr>
+        <p:spPr>
+          <a:xfrm flipV="1">
+            <a:off x="6667500" y="1269583"/>
+            <a:ext cx="3031671" cy="986384"/>
+          </a:xfrm>
+          <a:prstGeom prst="straightConnector1">
+            <a:avLst/>
+          </a:prstGeom>
+          <a:ln>
+            <a:tailEnd type="triangle"/>
+          </a:ln>
+        </p:spPr>
+        <p:style>
+          <a:lnRef idx="3">
+            <a:schemeClr val="dk1"/>
+          </a:lnRef>
+          <a:fillRef idx="0">
+            <a:schemeClr val="dk1"/>
+          </a:fillRef>
+          <a:effectRef idx="2">
+            <a:schemeClr val="dk1"/>
+          </a:effectRef>
+          <a:fontRef idx="minor">
+            <a:schemeClr val="tx1"/>
+          </a:fontRef>
+        </p:style>
+      </p:cxnSp>
+      <p:cxnSp>
+        <p:nvCxnSpPr>
+          <p:cNvPr id="24" name="직선 화살표 연결선 23">
+            <a:extLst>
+              <a:ext uri="{FF2B5EF4-FFF2-40B4-BE49-F238E27FC236}">
+                <a16:creationId xmlns:a16="http://schemas.microsoft.com/office/drawing/2014/main" id="{308E75D5-3CB9-272A-556F-D7ECF1B47260}"/>
+              </a:ext>
+            </a:extLst>
+          </p:cNvPr>
+          <p:cNvCxnSpPr>
+            <a:cxnSpLocks/>
+            <a:stCxn id="2" idx="3"/>
+            <a:endCxn id="21" idx="1"/>
+          </p:cNvCxnSpPr>
+          <p:nvPr/>
+        </p:nvCxnSpPr>
+        <p:spPr>
+          <a:xfrm flipV="1">
+            <a:off x="6667500" y="1742555"/>
+            <a:ext cx="3031671" cy="513412"/>
+          </a:xfrm>
+          <a:prstGeom prst="straightConnector1">
+            <a:avLst/>
+          </a:prstGeom>
+          <a:ln>
+            <a:tailEnd type="triangle"/>
+          </a:ln>
+        </p:spPr>
+        <p:style>
+          <a:lnRef idx="3">
+            <a:schemeClr val="dk1"/>
+          </a:lnRef>
+          <a:fillRef idx="0">
+            <a:schemeClr val="dk1"/>
+          </a:fillRef>
+          <a:effectRef idx="2">
+            <a:schemeClr val="dk1"/>
+          </a:effectRef>
+          <a:fontRef idx="minor">
+            <a:schemeClr val="tx1"/>
+          </a:fontRef>
+        </p:style>
+      </p:cxnSp>
+      <p:cxnSp>
+        <p:nvCxnSpPr>
+          <p:cNvPr id="25" name="직선 화살표 연결선 24">
+            <a:extLst>
+              <a:ext uri="{FF2B5EF4-FFF2-40B4-BE49-F238E27FC236}">
+                <a16:creationId xmlns:a16="http://schemas.microsoft.com/office/drawing/2014/main" id="{A0FB4AA3-3A5E-59C1-F987-EA7B6F4FAE38}"/>
+              </a:ext>
+            </a:extLst>
+          </p:cNvPr>
+          <p:cNvCxnSpPr>
+            <a:cxnSpLocks/>
+            <a:stCxn id="2" idx="3"/>
+            <a:endCxn id="22" idx="1"/>
+          </p:cNvCxnSpPr>
+          <p:nvPr/>
+        </p:nvCxnSpPr>
+        <p:spPr>
+          <a:xfrm flipV="1">
+            <a:off x="6667500" y="2204221"/>
+            <a:ext cx="3031671" cy="51746"/>
+          </a:xfrm>
+          <a:prstGeom prst="straightConnector1">
+            <a:avLst/>
+          </a:prstGeom>
+          <a:ln>
+            <a:tailEnd type="triangle"/>
+          </a:ln>
+        </p:spPr>
+        <p:style>
+          <a:lnRef idx="3">
+            <a:schemeClr val="dk1"/>
+          </a:lnRef>
+          <a:fillRef idx="0">
+            <a:schemeClr val="dk1"/>
+          </a:fillRef>
+          <a:effectRef idx="2">
+            <a:schemeClr val="dk1"/>
+          </a:effectRef>
+          <a:fontRef idx="minor">
+            <a:schemeClr val="tx1"/>
+          </a:fontRef>
+        </p:style>
+      </p:cxnSp>
+      <p:sp>
+        <p:nvSpPr>
+          <p:cNvPr id="37" name="TextBox 36">
+            <a:extLst>
+              <a:ext uri="{FF2B5EF4-FFF2-40B4-BE49-F238E27FC236}">
+                <a16:creationId xmlns:a16="http://schemas.microsoft.com/office/drawing/2014/main" id="{0999D027-A675-C78C-831F-8E2EFFF1B5F7}"/>
+              </a:ext>
+            </a:extLst>
+          </p:cNvPr>
+          <p:cNvSpPr txBox="1"/>
+          <p:nvPr/>
+        </p:nvSpPr>
+        <p:spPr>
+          <a:xfrm>
+            <a:off x="9873343" y="2783027"/>
+            <a:ext cx="1143000" cy="307777"/>
+          </a:xfrm>
+          <a:prstGeom prst="rect">
+            <a:avLst/>
+          </a:prstGeom>
+        </p:spPr>
+        <p:style>
+          <a:lnRef idx="2">
+            <a:schemeClr val="accent6"/>
+          </a:lnRef>
+          <a:fillRef idx="1">
+            <a:schemeClr val="lt1"/>
+          </a:fillRef>
+          <a:effectRef idx="0">
+            <a:schemeClr val="accent6"/>
+          </a:effectRef>
+          <a:fontRef idx="minor">
+            <a:schemeClr val="dk1"/>
+          </a:fontRef>
+        </p:style>
+        <p:txBody>
+          <a:bodyPr wrap="square" rtlCol="0">
+            <a:spAutoFit/>
+          </a:bodyPr>
+          <a:lstStyle/>
+          <a:p>
+            <a:pPr algn="ctr"/>
+            <a:r>
+              <a:rPr lang="en-US" altLang="ko-KR" sz="1400" dirty="0"/>
+              <a:t>CLERK</a:t>
+            </a:r>
+            <a:endParaRPr lang="ko-KR" altLang="en-US" sz="1400" dirty="0"/>
+          </a:p>
+        </p:txBody>
+      </p:sp>
+      <p:sp>
+        <p:nvSpPr>
+          <p:cNvPr id="45" name="TextBox 44">
+            <a:extLst>
+              <a:ext uri="{FF2B5EF4-FFF2-40B4-BE49-F238E27FC236}">
+                <a16:creationId xmlns:a16="http://schemas.microsoft.com/office/drawing/2014/main" id="{10C7DBB0-F205-A917-672E-61E36C5AB3B4}"/>
+              </a:ext>
+            </a:extLst>
+          </p:cNvPr>
+          <p:cNvSpPr txBox="1"/>
+          <p:nvPr/>
+        </p:nvSpPr>
+        <p:spPr>
+          <a:xfrm>
+            <a:off x="9873343" y="3255999"/>
+            <a:ext cx="2133600" cy="307777"/>
+          </a:xfrm>
+          <a:prstGeom prst="rect">
+            <a:avLst/>
+          </a:prstGeom>
+        </p:spPr>
+        <p:style>
+          <a:lnRef idx="2">
+            <a:schemeClr val="accent6"/>
+          </a:lnRef>
+          <a:fillRef idx="1">
+            <a:schemeClr val="lt1"/>
+          </a:fillRef>
+          <a:effectRef idx="0">
+            <a:schemeClr val="accent6"/>
+          </a:effectRef>
+          <a:fontRef idx="minor">
+            <a:schemeClr val="dk1"/>
+          </a:fontRef>
+        </p:style>
+        <p:txBody>
+          <a:bodyPr wrap="square" rtlCol="0">
+            <a:spAutoFit/>
+          </a:bodyPr>
+          <a:lstStyle/>
+          <a:p>
+            <a:pPr algn="ctr"/>
+            <a:r>
+              <a:rPr lang="en-US" altLang="ko-KR" sz="1400" dirty="0"/>
+              <a:t>ANALYST</a:t>
+            </a:r>
+            <a:endParaRPr lang="ko-KR" altLang="en-US" sz="1400" dirty="0"/>
+          </a:p>
+        </p:txBody>
+      </p:sp>
+      <p:sp>
+        <p:nvSpPr>
+          <p:cNvPr id="46" name="TextBox 45">
+            <a:extLst>
+              <a:ext uri="{FF2B5EF4-FFF2-40B4-BE49-F238E27FC236}">
+                <a16:creationId xmlns:a16="http://schemas.microsoft.com/office/drawing/2014/main" id="{0B60A90E-2E87-86AC-8FD8-DD1B3866BA63}"/>
+              </a:ext>
+            </a:extLst>
+          </p:cNvPr>
+          <p:cNvSpPr txBox="1"/>
+          <p:nvPr/>
+        </p:nvSpPr>
+        <p:spPr>
+          <a:xfrm>
+            <a:off x="9873343" y="3717665"/>
+            <a:ext cx="2133599" cy="307777"/>
+          </a:xfrm>
+          <a:prstGeom prst="rect">
+            <a:avLst/>
+          </a:prstGeom>
+        </p:spPr>
+        <p:style>
+          <a:lnRef idx="2">
+            <a:schemeClr val="accent6"/>
+          </a:lnRef>
+          <a:fillRef idx="1">
+            <a:schemeClr val="lt1"/>
+          </a:fillRef>
+          <a:effectRef idx="0">
+            <a:schemeClr val="accent6"/>
+          </a:effectRef>
+          <a:fontRef idx="minor">
+            <a:schemeClr val="dk1"/>
+          </a:fontRef>
+        </p:style>
+        <p:txBody>
+          <a:bodyPr wrap="square" rtlCol="0">
+            <a:spAutoFit/>
+          </a:bodyPr>
+          <a:lstStyle/>
+          <a:p>
+            <a:pPr algn="ctr"/>
+            <a:r>
+              <a:rPr lang="en-US" altLang="ko-KR" sz="1400" dirty="0"/>
+              <a:t>MANAGER</a:t>
+            </a:r>
+            <a:endParaRPr lang="ko-KR" altLang="en-US" sz="1400" dirty="0"/>
+          </a:p>
+        </p:txBody>
+      </p:sp>
+      <p:cxnSp>
+        <p:nvCxnSpPr>
+          <p:cNvPr id="47" name="직선 화살표 연결선 46">
+            <a:extLst>
+              <a:ext uri="{FF2B5EF4-FFF2-40B4-BE49-F238E27FC236}">
+                <a16:creationId xmlns:a16="http://schemas.microsoft.com/office/drawing/2014/main" id="{31FBAE22-B8CC-3ABB-11BE-D8227C799B32}"/>
+              </a:ext>
+            </a:extLst>
+          </p:cNvPr>
+          <p:cNvCxnSpPr>
+            <a:cxnSpLocks/>
+            <a:stCxn id="10" idx="3"/>
+            <a:endCxn id="37" idx="1"/>
+          </p:cNvCxnSpPr>
+          <p:nvPr/>
+        </p:nvCxnSpPr>
+        <p:spPr>
+          <a:xfrm flipV="1">
+            <a:off x="6667500" y="2936916"/>
+            <a:ext cx="3205843" cy="492084"/>
+          </a:xfrm>
+          <a:prstGeom prst="straightConnector1">
+            <a:avLst/>
+          </a:prstGeom>
+          <a:ln>
+            <a:tailEnd type="triangle"/>
+          </a:ln>
+        </p:spPr>
+        <p:style>
+          <a:lnRef idx="3">
+            <a:schemeClr val="dk1"/>
+          </a:lnRef>
+          <a:fillRef idx="0">
+            <a:schemeClr val="dk1"/>
+          </a:fillRef>
+          <a:effectRef idx="2">
+            <a:schemeClr val="dk1"/>
+          </a:effectRef>
+          <a:fontRef idx="minor">
+            <a:schemeClr val="tx1"/>
+          </a:fontRef>
+        </p:style>
+      </p:cxnSp>
+      <p:cxnSp>
+        <p:nvCxnSpPr>
+          <p:cNvPr id="48" name="직선 화살표 연결선 47">
+            <a:extLst>
+              <a:ext uri="{FF2B5EF4-FFF2-40B4-BE49-F238E27FC236}">
+                <a16:creationId xmlns:a16="http://schemas.microsoft.com/office/drawing/2014/main" id="{5318B1CF-B273-29DB-B638-6DEB3F7F07A1}"/>
+              </a:ext>
+            </a:extLst>
+          </p:cNvPr>
+          <p:cNvCxnSpPr>
+            <a:cxnSpLocks/>
+            <a:stCxn id="10" idx="3"/>
+            <a:endCxn id="45" idx="1"/>
+          </p:cNvCxnSpPr>
+          <p:nvPr/>
+        </p:nvCxnSpPr>
+        <p:spPr>
+          <a:xfrm flipV="1">
+            <a:off x="6667500" y="3409888"/>
+            <a:ext cx="3205843" cy="19112"/>
+          </a:xfrm>
+          <a:prstGeom prst="straightConnector1">
+            <a:avLst/>
+          </a:prstGeom>
+          <a:ln>
+            <a:tailEnd type="triangle"/>
+          </a:ln>
+        </p:spPr>
+        <p:style>
+          <a:lnRef idx="3">
+            <a:schemeClr val="dk1"/>
+          </a:lnRef>
+          <a:fillRef idx="0">
+            <a:schemeClr val="dk1"/>
+          </a:fillRef>
+          <a:effectRef idx="2">
+            <a:schemeClr val="dk1"/>
+          </a:effectRef>
+          <a:fontRef idx="minor">
+            <a:schemeClr val="tx1"/>
+          </a:fontRef>
+        </p:style>
+      </p:cxnSp>
+      <p:cxnSp>
+        <p:nvCxnSpPr>
+          <p:cNvPr id="49" name="직선 화살표 연결선 48">
+            <a:extLst>
+              <a:ext uri="{FF2B5EF4-FFF2-40B4-BE49-F238E27FC236}">
+                <a16:creationId xmlns:a16="http://schemas.microsoft.com/office/drawing/2014/main" id="{9B2A1A20-3167-42F9-A955-22484955EB58}"/>
+              </a:ext>
+            </a:extLst>
+          </p:cNvPr>
+          <p:cNvCxnSpPr>
+            <a:cxnSpLocks/>
+            <a:stCxn id="10" idx="3"/>
+            <a:endCxn id="46" idx="1"/>
+          </p:cNvCxnSpPr>
+          <p:nvPr/>
+        </p:nvCxnSpPr>
+        <p:spPr>
+          <a:xfrm>
+            <a:off x="6667500" y="3429000"/>
+            <a:ext cx="3205843" cy="442554"/>
+          </a:xfrm>
+          <a:prstGeom prst="straightConnector1">
+            <a:avLst/>
+          </a:prstGeom>
+          <a:ln>
+            <a:tailEnd type="triangle"/>
+          </a:ln>
+        </p:spPr>
+        <p:style>
+          <a:lnRef idx="3">
+            <a:schemeClr val="dk1"/>
+          </a:lnRef>
+          <a:fillRef idx="0">
+            <a:schemeClr val="dk1"/>
+          </a:fillRef>
+          <a:effectRef idx="2">
+            <a:schemeClr val="dk1"/>
+          </a:effectRef>
+          <a:fontRef idx="minor">
+            <a:schemeClr val="tx1"/>
+          </a:fontRef>
+        </p:style>
+      </p:cxnSp>
+      <p:sp>
+        <p:nvSpPr>
+          <p:cNvPr id="50" name="TextBox 49">
+            <a:extLst>
+              <a:ext uri="{FF2B5EF4-FFF2-40B4-BE49-F238E27FC236}">
+                <a16:creationId xmlns:a16="http://schemas.microsoft.com/office/drawing/2014/main" id="{1F0ED72F-6A3D-2F85-511A-72AE5FCAA8E9}"/>
+              </a:ext>
+            </a:extLst>
+          </p:cNvPr>
+          <p:cNvSpPr txBox="1"/>
+          <p:nvPr/>
+        </p:nvSpPr>
+        <p:spPr>
+          <a:xfrm>
+            <a:off x="9949543" y="4371244"/>
+            <a:ext cx="1143000" cy="307777"/>
+          </a:xfrm>
+          <a:prstGeom prst="rect">
+            <a:avLst/>
+          </a:prstGeom>
+        </p:spPr>
+        <p:style>
+          <a:lnRef idx="2">
+            <a:schemeClr val="accent6"/>
+          </a:lnRef>
+          <a:fillRef idx="1">
+            <a:schemeClr val="lt1"/>
+          </a:fillRef>
+          <a:effectRef idx="0">
+            <a:schemeClr val="accent6"/>
+          </a:effectRef>
+          <a:fontRef idx="minor">
+            <a:schemeClr val="dk1"/>
+          </a:fontRef>
+        </p:style>
+        <p:txBody>
+          <a:bodyPr wrap="square" rtlCol="0">
+            <a:spAutoFit/>
+          </a:bodyPr>
+          <a:lstStyle/>
+          <a:p>
+            <a:pPr algn="ctr"/>
+            <a:r>
+              <a:rPr lang="en-US" altLang="ko-KR" sz="1400" dirty="0"/>
+              <a:t>CLERK</a:t>
+            </a:r>
+            <a:endParaRPr lang="ko-KR" altLang="en-US" sz="1400" dirty="0"/>
+          </a:p>
+        </p:txBody>
+      </p:sp>
+      <p:sp>
+        <p:nvSpPr>
+          <p:cNvPr id="51" name="TextBox 50">
+            <a:extLst>
+              <a:ext uri="{FF2B5EF4-FFF2-40B4-BE49-F238E27FC236}">
+                <a16:creationId xmlns:a16="http://schemas.microsoft.com/office/drawing/2014/main" id="{94DAF646-0062-30C7-2680-CC27F5011C6F}"/>
+              </a:ext>
+            </a:extLst>
+          </p:cNvPr>
+          <p:cNvSpPr txBox="1"/>
+          <p:nvPr/>
+        </p:nvSpPr>
+        <p:spPr>
+          <a:xfrm>
+            <a:off x="9949543" y="4844216"/>
+            <a:ext cx="2133600" cy="307777"/>
+          </a:xfrm>
+          <a:prstGeom prst="rect">
+            <a:avLst/>
+          </a:prstGeom>
+        </p:spPr>
+        <p:style>
+          <a:lnRef idx="2">
+            <a:schemeClr val="accent6"/>
+          </a:lnRef>
+          <a:fillRef idx="1">
+            <a:schemeClr val="lt1"/>
+          </a:fillRef>
+          <a:effectRef idx="0">
+            <a:schemeClr val="accent6"/>
+          </a:effectRef>
+          <a:fontRef idx="minor">
+            <a:schemeClr val="dk1"/>
+          </a:fontRef>
+        </p:style>
+        <p:txBody>
+          <a:bodyPr wrap="square" rtlCol="0">
+            <a:spAutoFit/>
+          </a:bodyPr>
+          <a:lstStyle/>
+          <a:p>
+            <a:pPr algn="ctr"/>
+            <a:r>
+              <a:rPr lang="en-US" altLang="ko-KR" sz="1400" dirty="0"/>
+              <a:t>MANAGER</a:t>
+            </a:r>
+            <a:endParaRPr lang="ko-KR" altLang="en-US" sz="1400" dirty="0"/>
+          </a:p>
+        </p:txBody>
+      </p:sp>
+      <p:sp>
+        <p:nvSpPr>
+          <p:cNvPr id="52" name="TextBox 51">
+            <a:extLst>
+              <a:ext uri="{FF2B5EF4-FFF2-40B4-BE49-F238E27FC236}">
+                <a16:creationId xmlns:a16="http://schemas.microsoft.com/office/drawing/2014/main" id="{1761DF14-104C-587F-039C-6AB857F7F1DA}"/>
+              </a:ext>
+            </a:extLst>
+          </p:cNvPr>
+          <p:cNvSpPr txBox="1"/>
+          <p:nvPr/>
+        </p:nvSpPr>
+        <p:spPr>
+          <a:xfrm>
+            <a:off x="9949543" y="5305882"/>
+            <a:ext cx="2133599" cy="307777"/>
+          </a:xfrm>
+          <a:prstGeom prst="rect">
+            <a:avLst/>
+          </a:prstGeom>
+        </p:spPr>
+        <p:style>
+          <a:lnRef idx="2">
+            <a:schemeClr val="accent6"/>
+          </a:lnRef>
+          <a:fillRef idx="1">
+            <a:schemeClr val="lt1"/>
+          </a:fillRef>
+          <a:effectRef idx="0">
+            <a:schemeClr val="accent6"/>
+          </a:effectRef>
+          <a:fontRef idx="minor">
+            <a:schemeClr val="dk1"/>
+          </a:fontRef>
+        </p:style>
+        <p:txBody>
+          <a:bodyPr wrap="square" rtlCol="0">
+            <a:spAutoFit/>
+          </a:bodyPr>
+          <a:lstStyle/>
+          <a:p>
+            <a:pPr algn="ctr"/>
+            <a:r>
+              <a:rPr lang="en-US" altLang="ko-KR" sz="1400" dirty="0"/>
+              <a:t>SALESMAN</a:t>
+            </a:r>
+            <a:endParaRPr lang="ko-KR" altLang="en-US" sz="1400" dirty="0"/>
+          </a:p>
+        </p:txBody>
+      </p:sp>
+      <p:cxnSp>
+        <p:nvCxnSpPr>
+          <p:cNvPr id="53" name="직선 화살표 연결선 52">
+            <a:extLst>
+              <a:ext uri="{FF2B5EF4-FFF2-40B4-BE49-F238E27FC236}">
+                <a16:creationId xmlns:a16="http://schemas.microsoft.com/office/drawing/2014/main" id="{5929D25C-38EF-6567-6B5D-836EE37B3560}"/>
+              </a:ext>
+            </a:extLst>
+          </p:cNvPr>
+          <p:cNvCxnSpPr>
+            <a:cxnSpLocks/>
+            <a:stCxn id="11" idx="3"/>
+            <a:endCxn id="50" idx="1"/>
+          </p:cNvCxnSpPr>
+          <p:nvPr/>
+        </p:nvCxnSpPr>
+        <p:spPr>
+          <a:xfrm flipV="1">
+            <a:off x="6667500" y="4525133"/>
+            <a:ext cx="3282043" cy="76900"/>
+          </a:xfrm>
+          <a:prstGeom prst="straightConnector1">
+            <a:avLst/>
+          </a:prstGeom>
+          <a:ln>
+            <a:tailEnd type="triangle"/>
+          </a:ln>
+        </p:spPr>
+        <p:style>
+          <a:lnRef idx="3">
+            <a:schemeClr val="dk1"/>
+          </a:lnRef>
+          <a:fillRef idx="0">
+            <a:schemeClr val="dk1"/>
+          </a:fillRef>
+          <a:effectRef idx="2">
+            <a:schemeClr val="dk1"/>
+          </a:effectRef>
+          <a:fontRef idx="minor">
+            <a:schemeClr val="tx1"/>
+          </a:fontRef>
+        </p:style>
+      </p:cxnSp>
+      <p:cxnSp>
+        <p:nvCxnSpPr>
+          <p:cNvPr id="54" name="직선 화살표 연결선 53">
+            <a:extLst>
+              <a:ext uri="{FF2B5EF4-FFF2-40B4-BE49-F238E27FC236}">
+                <a16:creationId xmlns:a16="http://schemas.microsoft.com/office/drawing/2014/main" id="{196A3735-00E1-73B5-35C5-96CAF5C8E50D}"/>
+              </a:ext>
+            </a:extLst>
+          </p:cNvPr>
+          <p:cNvCxnSpPr>
+            <a:cxnSpLocks/>
+            <a:stCxn id="11" idx="3"/>
+            <a:endCxn id="51" idx="1"/>
+          </p:cNvCxnSpPr>
+          <p:nvPr/>
+        </p:nvCxnSpPr>
+        <p:spPr>
+          <a:xfrm>
+            <a:off x="6667500" y="4602033"/>
+            <a:ext cx="3282043" cy="396072"/>
+          </a:xfrm>
+          <a:prstGeom prst="straightConnector1">
+            <a:avLst/>
+          </a:prstGeom>
+          <a:ln>
+            <a:tailEnd type="triangle"/>
+          </a:ln>
+        </p:spPr>
+        <p:style>
+          <a:lnRef idx="3">
+            <a:schemeClr val="dk1"/>
+          </a:lnRef>
+          <a:fillRef idx="0">
+            <a:schemeClr val="dk1"/>
+          </a:fillRef>
+          <a:effectRef idx="2">
+            <a:schemeClr val="dk1"/>
+          </a:effectRef>
+          <a:fontRef idx="minor">
+            <a:schemeClr val="tx1"/>
+          </a:fontRef>
+        </p:style>
+      </p:cxnSp>
+      <p:cxnSp>
+        <p:nvCxnSpPr>
+          <p:cNvPr id="55" name="직선 화살표 연결선 54">
+            <a:extLst>
+              <a:ext uri="{FF2B5EF4-FFF2-40B4-BE49-F238E27FC236}">
+                <a16:creationId xmlns:a16="http://schemas.microsoft.com/office/drawing/2014/main" id="{E58C38DF-4034-5604-731C-9968E1C847E2}"/>
+              </a:ext>
+            </a:extLst>
+          </p:cNvPr>
+          <p:cNvCxnSpPr>
+            <a:cxnSpLocks/>
+            <a:stCxn id="11" idx="3"/>
+            <a:endCxn id="52" idx="1"/>
+          </p:cNvCxnSpPr>
+          <p:nvPr/>
+        </p:nvCxnSpPr>
+        <p:spPr>
+          <a:xfrm>
+            <a:off x="6667500" y="4602033"/>
+            <a:ext cx="3282043" cy="857738"/>
+          </a:xfrm>
+          <a:prstGeom prst="straightConnector1">
+            <a:avLst/>
+          </a:prstGeom>
+          <a:ln>
+            <a:tailEnd type="triangle"/>
+          </a:ln>
+        </p:spPr>
+        <p:style>
+          <a:lnRef idx="3">
+            <a:schemeClr val="dk1"/>
+          </a:lnRef>
+          <a:fillRef idx="0">
+            <a:schemeClr val="dk1"/>
+          </a:fillRef>
+          <a:effectRef idx="2">
+            <a:schemeClr val="dk1"/>
+          </a:effectRef>
+          <a:fontRef idx="minor">
+            <a:schemeClr val="tx1"/>
+          </a:fontRef>
+        </p:style>
+      </p:cxnSp>
+    </p:spTree>
+    <p:extLst>
+      <p:ext uri="{BB962C8B-B14F-4D97-AF65-F5344CB8AC3E}">
+        <p14:creationId xmlns:p14="http://schemas.microsoft.com/office/powerpoint/2010/main" val="1707353635"/>
+      </p:ext>
+    </p:extLst>
+  </p:cSld>
+  <p:clrMapOvr>
+    <a:masterClrMapping/>
+  </p:clrMapOvr>
+</p:sld>
+</file>
+
 <file path=ppt/theme/theme1.xml><?xml version="1.0" encoding="utf-8"?>
 <a:theme xmlns:a="http://schemas.openxmlformats.org/drawingml/2006/main" name="Office 테마">
   <a:themeElements>
